--- a/public/images/bug icon.pptx
+++ b/public/images/bug icon.pptx
@@ -10,6 +10,7 @@
     <p:sldId id="260" r:id="rId4"/>
     <p:sldId id="258" r:id="rId5"/>
     <p:sldId id="257" r:id="rId6"/>
+    <p:sldId id="261" r:id="rId7"/>
   </p:sldIdLst>
   <p:sldSz cx="8999538" cy="8999538"/>
   <p:notesSz cx="6858000" cy="9144000"/>
@@ -247,7 +248,7 @@
           <a:p>
             <a:fld id="{E0846357-FA2A-477F-B8C8-F2A3670DA4CC}" type="datetimeFigureOut">
               <a:rPr lang="en-IN" smtClean="0"/>
-              <a:t>17-01-2021</a:t>
+              <a:t>03-02-2021</a:t>
             </a:fld>
             <a:endParaRPr lang="en-IN"/>
           </a:p>
@@ -417,7 +418,7 @@
           <a:p>
             <a:fld id="{E0846357-FA2A-477F-B8C8-F2A3670DA4CC}" type="datetimeFigureOut">
               <a:rPr lang="en-IN" smtClean="0"/>
-              <a:t>17-01-2021</a:t>
+              <a:t>03-02-2021</a:t>
             </a:fld>
             <a:endParaRPr lang="en-IN"/>
           </a:p>
@@ -597,7 +598,7 @@
           <a:p>
             <a:fld id="{E0846357-FA2A-477F-B8C8-F2A3670DA4CC}" type="datetimeFigureOut">
               <a:rPr lang="en-IN" smtClean="0"/>
-              <a:t>17-01-2021</a:t>
+              <a:t>03-02-2021</a:t>
             </a:fld>
             <a:endParaRPr lang="en-IN"/>
           </a:p>
@@ -767,7 +768,7 @@
           <a:p>
             <a:fld id="{E0846357-FA2A-477F-B8C8-F2A3670DA4CC}" type="datetimeFigureOut">
               <a:rPr lang="en-IN" smtClean="0"/>
-              <a:t>17-01-2021</a:t>
+              <a:t>03-02-2021</a:t>
             </a:fld>
             <a:endParaRPr lang="en-IN"/>
           </a:p>
@@ -1011,7 +1012,7 @@
           <a:p>
             <a:fld id="{E0846357-FA2A-477F-B8C8-F2A3670DA4CC}" type="datetimeFigureOut">
               <a:rPr lang="en-IN" smtClean="0"/>
-              <a:t>17-01-2021</a:t>
+              <a:t>03-02-2021</a:t>
             </a:fld>
             <a:endParaRPr lang="en-IN"/>
           </a:p>
@@ -1243,7 +1244,7 @@
           <a:p>
             <a:fld id="{E0846357-FA2A-477F-B8C8-F2A3670DA4CC}" type="datetimeFigureOut">
               <a:rPr lang="en-IN" smtClean="0"/>
-              <a:t>17-01-2021</a:t>
+              <a:t>03-02-2021</a:t>
             </a:fld>
             <a:endParaRPr lang="en-IN"/>
           </a:p>
@@ -1610,7 +1611,7 @@
           <a:p>
             <a:fld id="{E0846357-FA2A-477F-B8C8-F2A3670DA4CC}" type="datetimeFigureOut">
               <a:rPr lang="en-IN" smtClean="0"/>
-              <a:t>17-01-2021</a:t>
+              <a:t>03-02-2021</a:t>
             </a:fld>
             <a:endParaRPr lang="en-IN"/>
           </a:p>
@@ -1728,7 +1729,7 @@
           <a:p>
             <a:fld id="{E0846357-FA2A-477F-B8C8-F2A3670DA4CC}" type="datetimeFigureOut">
               <a:rPr lang="en-IN" smtClean="0"/>
-              <a:t>17-01-2021</a:t>
+              <a:t>03-02-2021</a:t>
             </a:fld>
             <a:endParaRPr lang="en-IN"/>
           </a:p>
@@ -1823,7 +1824,7 @@
           <a:p>
             <a:fld id="{E0846357-FA2A-477F-B8C8-F2A3670DA4CC}" type="datetimeFigureOut">
               <a:rPr lang="en-IN" smtClean="0"/>
-              <a:t>17-01-2021</a:t>
+              <a:t>03-02-2021</a:t>
             </a:fld>
             <a:endParaRPr lang="en-IN"/>
           </a:p>
@@ -2100,7 +2101,7 @@
           <a:p>
             <a:fld id="{E0846357-FA2A-477F-B8C8-F2A3670DA4CC}" type="datetimeFigureOut">
               <a:rPr lang="en-IN" smtClean="0"/>
-              <a:t>17-01-2021</a:t>
+              <a:t>03-02-2021</a:t>
             </a:fld>
             <a:endParaRPr lang="en-IN"/>
           </a:p>
@@ -2357,7 +2358,7 @@
           <a:p>
             <a:fld id="{E0846357-FA2A-477F-B8C8-F2A3670DA4CC}" type="datetimeFigureOut">
               <a:rPr lang="en-IN" smtClean="0"/>
-              <a:t>17-01-2021</a:t>
+              <a:t>03-02-2021</a:t>
             </a:fld>
             <a:endParaRPr lang="en-IN"/>
           </a:p>
@@ -2570,7 +2571,7 @@
           <a:p>
             <a:fld id="{E0846357-FA2A-477F-B8C8-F2A3670DA4CC}" type="datetimeFigureOut">
               <a:rPr lang="en-IN" smtClean="0"/>
-              <a:t>17-01-2021</a:t>
+              <a:t>03-02-2021</a:t>
             </a:fld>
             <a:endParaRPr lang="en-IN"/>
           </a:p>
@@ -8930,28 +8931,30 @@
       </p:grpSpPr>
       <p:sp>
         <p:nvSpPr>
-          <p:cNvPr id="79" name="Rectangle: Rounded Corners 78">
-            <a:extLst>
-              <a:ext uri="{FF2B5EF4-FFF2-40B4-BE49-F238E27FC236}">
-                <a16:creationId xmlns:a16="http://schemas.microsoft.com/office/drawing/2014/main" id="{847C5DD3-2AF7-41FB-9E1B-C669422A9A65}"/>
-              </a:ext>
-            </a:extLst>
-          </p:cNvPr>
-          <p:cNvSpPr/>
-          <p:nvPr/>
-        </p:nvSpPr>
-        <p:spPr>
-          <a:xfrm rot="7539714" flipV="1">
-            <a:off x="2333572" y="4748052"/>
+          <p:cNvPr id="81" name="Rectangle: Rounded Corners 80">
+            <a:extLst>
+              <a:ext uri="{FF2B5EF4-FFF2-40B4-BE49-F238E27FC236}">
+                <a16:creationId xmlns:a16="http://schemas.microsoft.com/office/drawing/2014/main" id="{CBDBB71A-9EE8-47EF-AD85-8EBC073FA465}"/>
+              </a:ext>
+            </a:extLst>
+          </p:cNvPr>
+          <p:cNvSpPr/>
+          <p:nvPr/>
+        </p:nvSpPr>
+        <p:spPr>
+          <a:xfrm rot="14060286" flipH="1" flipV="1">
+            <a:off x="2261251" y="3620138"/>
             <a:ext cx="680922" cy="163691"/>
           </a:xfrm>
           <a:prstGeom prst="roundRect">
             <a:avLst/>
           </a:prstGeom>
-          <a:noFill/>
-          <a:ln w="19050">
-            <a:solidFill>
-              <a:schemeClr val="accent1"/>
+          <a:solidFill>
+            <a:srgbClr val="19456B"/>
+          </a:solidFill>
+          <a:ln w="19050">
+            <a:solidFill>
+              <a:srgbClr val="F8F1F1"/>
             </a:solidFill>
           </a:ln>
         </p:spPr>
@@ -8982,28 +8985,22 @@
       </p:sp>
       <p:sp>
         <p:nvSpPr>
-          <p:cNvPr id="81" name="Rectangle: Rounded Corners 80">
-            <a:extLst>
-              <a:ext uri="{FF2B5EF4-FFF2-40B4-BE49-F238E27FC236}">
-                <a16:creationId xmlns:a16="http://schemas.microsoft.com/office/drawing/2014/main" id="{CBDBB71A-9EE8-47EF-AD85-8EBC073FA465}"/>
-              </a:ext>
-            </a:extLst>
-          </p:cNvPr>
-          <p:cNvSpPr/>
-          <p:nvPr/>
-        </p:nvSpPr>
-        <p:spPr>
-          <a:xfrm rot="14060286" flipH="1" flipV="1">
-            <a:off x="2261251" y="3620138"/>
-            <a:ext cx="680922" cy="163691"/>
-          </a:xfrm>
-          <a:prstGeom prst="roundRect">
+          <p:cNvPr id="5" name="Rectangle 4"/>
+          <p:cNvSpPr/>
+          <p:nvPr/>
+        </p:nvSpPr>
+        <p:spPr>
+          <a:xfrm>
+            <a:off x="0" y="0"/>
+            <a:ext cx="8999538" cy="8999538"/>
+          </a:xfrm>
+          <a:prstGeom prst="rect">
             <a:avLst/>
           </a:prstGeom>
           <a:noFill/>
           <a:ln w="19050">
             <a:solidFill>
-              <a:schemeClr val="accent1"/>
+              <a:schemeClr val="tx1"/>
             </a:solidFill>
           </a:ln>
         </p:spPr>
@@ -9028,52 +9025,6 @@
           <a:lstStyle/>
           <a:p>
             <a:pPr algn="ctr"/>
-            <a:endParaRPr lang="en-US"/>
-          </a:p>
-        </p:txBody>
-      </p:sp>
-      <p:sp>
-        <p:nvSpPr>
-          <p:cNvPr id="5" name="Rectangle 4"/>
-          <p:cNvSpPr/>
-          <p:nvPr/>
-        </p:nvSpPr>
-        <p:spPr>
-          <a:xfrm>
-            <a:off x="0" y="0"/>
-            <a:ext cx="8999538" cy="8999538"/>
-          </a:xfrm>
-          <a:prstGeom prst="rect">
-            <a:avLst/>
-          </a:prstGeom>
-          <a:noFill/>
-          <a:ln w="19050">
-            <a:solidFill>
-              <a:schemeClr val="tx1"/>
-            </a:solidFill>
-          </a:ln>
-        </p:spPr>
-        <p:style>
-          <a:lnRef idx="2">
-            <a:schemeClr val="accent1">
-              <a:shade val="50000"/>
-            </a:schemeClr>
-          </a:lnRef>
-          <a:fillRef idx="1">
-            <a:schemeClr val="accent1"/>
-          </a:fillRef>
-          <a:effectRef idx="0">
-            <a:schemeClr val="accent1"/>
-          </a:effectRef>
-          <a:fontRef idx="minor">
-            <a:schemeClr val="lt1"/>
-          </a:fontRef>
-        </p:style>
-        <p:txBody>
-          <a:bodyPr rtlCol="0" anchor="ctr"/>
-          <a:lstStyle/>
-          <a:p>
-            <a:pPr algn="ctr"/>
             <a:endParaRPr lang="en-IN"/>
           </a:p>
         </p:txBody>
@@ -9098,7 +9049,11 @@
           <a:prstGeom prst="line">
             <a:avLst/>
           </a:prstGeom>
-          <a:ln w="19050"/>
+          <a:ln w="19050">
+            <a:solidFill>
+              <a:srgbClr val="F8F1F1"/>
+            </a:solidFill>
+          </a:ln>
         </p:spPr>
         <p:style>
           <a:lnRef idx="1">
@@ -9138,7 +9093,14 @@
               <a:gd name="adj2" fmla="val 21204979"/>
             </a:avLst>
           </a:prstGeom>
-          <a:ln w="19050"/>
+          <a:solidFill>
+            <a:srgbClr val="19456B"/>
+          </a:solidFill>
+          <a:ln w="19050">
+            <a:solidFill>
+              <a:srgbClr val="F8F1F1"/>
+            </a:solidFill>
+          </a:ln>
         </p:spPr>
         <p:style>
           <a:lnRef idx="1">
@@ -9183,7 +9145,11 @@
           <a:prstGeom prst="line">
             <a:avLst/>
           </a:prstGeom>
-          <a:ln w="19050"/>
+          <a:ln w="19050">
+            <a:solidFill>
+              <a:srgbClr val="F8F1F1"/>
+            </a:solidFill>
+          </a:ln>
         </p:spPr>
         <p:style>
           <a:lnRef idx="1">
@@ -9223,7 +9189,14 @@
               <a:gd name="adj2" fmla="val 12267"/>
             </a:avLst>
           </a:prstGeom>
-          <a:ln w="19050"/>
+          <a:solidFill>
+            <a:srgbClr val="19456B"/>
+          </a:solidFill>
+          <a:ln w="19050">
+            <a:solidFill>
+              <a:srgbClr val="F8F1F1"/>
+            </a:solidFill>
+          </a:ln>
         </p:spPr>
         <p:style>
           <a:lnRef idx="1">
@@ -9271,7 +9244,14 @@
               <a:gd name="adj2" fmla="val 12267"/>
             </a:avLst>
           </a:prstGeom>
-          <a:ln w="19050"/>
+          <a:solidFill>
+            <a:srgbClr val="19456B"/>
+          </a:solidFill>
+          <a:ln w="19050">
+            <a:solidFill>
+              <a:srgbClr val="F8F1F1"/>
+            </a:solidFill>
+          </a:ln>
         </p:spPr>
         <p:style>
           <a:lnRef idx="1">
@@ -9318,7 +9298,11 @@
           <a:prstGeom prst="line">
             <a:avLst/>
           </a:prstGeom>
-          <a:ln w="19050"/>
+          <a:ln w="19050">
+            <a:solidFill>
+              <a:srgbClr val="F8F1F1"/>
+            </a:solidFill>
+          </a:ln>
         </p:spPr>
         <p:style>
           <a:lnRef idx="1">
@@ -9358,7 +9342,11 @@
           <a:prstGeom prst="line">
             <a:avLst/>
           </a:prstGeom>
-          <a:ln w="19050"/>
+          <a:ln w="19050">
+            <a:solidFill>
+              <a:srgbClr val="F8F1F1"/>
+            </a:solidFill>
+          </a:ln>
         </p:spPr>
         <p:style>
           <a:lnRef idx="1">
@@ -9397,7 +9385,11 @@
           <a:prstGeom prst="line">
             <a:avLst/>
           </a:prstGeom>
-          <a:ln w="19050"/>
+          <a:ln w="19050">
+            <a:solidFill>
+              <a:srgbClr val="F8F1F1"/>
+            </a:solidFill>
+          </a:ln>
         </p:spPr>
         <p:style>
           <a:lnRef idx="1">
@@ -9434,10 +9426,12 @@
           <a:prstGeom prst="triangle">
             <a:avLst/>
           </a:prstGeom>
-          <a:noFill/>
-          <a:ln w="19050">
-            <a:solidFill>
-              <a:schemeClr val="accent1"/>
+          <a:solidFill>
+            <a:srgbClr val="19456B"/>
+          </a:solidFill>
+          <a:ln w="19050">
+            <a:solidFill>
+              <a:srgbClr val="F8F1F1"/>
             </a:solidFill>
           </a:ln>
         </p:spPr>
@@ -9489,7 +9483,14 @@
               <a:gd name="adj2" fmla="val 24257"/>
             </a:avLst>
           </a:prstGeom>
-          <a:ln w="19050"/>
+          <a:solidFill>
+            <a:srgbClr val="19456B"/>
+          </a:solidFill>
+          <a:ln w="19050">
+            <a:solidFill>
+              <a:srgbClr val="F8F1F1"/>
+            </a:solidFill>
+          </a:ln>
         </p:spPr>
         <p:style>
           <a:lnRef idx="1">
@@ -9534,10 +9535,12 @@
           <a:prstGeom prst="roundRect">
             <a:avLst/>
           </a:prstGeom>
-          <a:noFill/>
-          <a:ln w="19050">
-            <a:solidFill>
-              <a:schemeClr val="accent1"/>
+          <a:solidFill>
+            <a:srgbClr val="19456B"/>
+          </a:solidFill>
+          <a:ln w="19050">
+            <a:solidFill>
+              <a:srgbClr val="F8F1F1"/>
             </a:solidFill>
           </a:ln>
         </p:spPr>
@@ -9586,10 +9589,12 @@
           <a:prstGeom prst="roundRect">
             <a:avLst/>
           </a:prstGeom>
-          <a:noFill/>
-          <a:ln w="19050">
-            <a:solidFill>
-              <a:schemeClr val="accent1"/>
+          <a:solidFill>
+            <a:srgbClr val="19456B"/>
+          </a:solidFill>
+          <a:ln w="19050">
+            <a:solidFill>
+              <a:srgbClr val="F8F1F1"/>
             </a:solidFill>
           </a:ln>
         </p:spPr>
@@ -9638,10 +9643,12 @@
           <a:prstGeom prst="roundRect">
             <a:avLst/>
           </a:prstGeom>
-          <a:noFill/>
-          <a:ln w="19050">
-            <a:solidFill>
-              <a:schemeClr val="accent1"/>
+          <a:solidFill>
+            <a:srgbClr val="19456B"/>
+          </a:solidFill>
+          <a:ln w="19050">
+            <a:solidFill>
+              <a:srgbClr val="F8F1F1"/>
             </a:solidFill>
           </a:ln>
         </p:spPr>
@@ -9690,10 +9697,12 @@
           <a:prstGeom prst="roundRect">
             <a:avLst/>
           </a:prstGeom>
-          <a:noFill/>
-          <a:ln w="19050">
-            <a:solidFill>
-              <a:schemeClr val="accent1"/>
+          <a:solidFill>
+            <a:srgbClr val="19456B"/>
+          </a:solidFill>
+          <a:ln w="19050">
+            <a:solidFill>
+              <a:srgbClr val="F8F1F1"/>
             </a:solidFill>
           </a:ln>
         </p:spPr>
@@ -9742,10 +9751,12 @@
           <a:prstGeom prst="roundRect">
             <a:avLst/>
           </a:prstGeom>
-          <a:noFill/>
-          <a:ln w="19050">
-            <a:solidFill>
-              <a:schemeClr val="accent1"/>
+          <a:solidFill>
+            <a:srgbClr val="19456B"/>
+          </a:solidFill>
+          <a:ln w="19050">
+            <a:solidFill>
+              <a:srgbClr val="F8F1F1"/>
             </a:solidFill>
           </a:ln>
         </p:spPr>
@@ -9794,10 +9805,12 @@
           <a:prstGeom prst="roundRect">
             <a:avLst/>
           </a:prstGeom>
-          <a:noFill/>
-          <a:ln w="19050">
-            <a:solidFill>
-              <a:schemeClr val="accent1"/>
+          <a:solidFill>
+            <a:srgbClr val="19456B"/>
+          </a:solidFill>
+          <a:ln w="19050">
+            <a:solidFill>
+              <a:srgbClr val="F8F1F1"/>
             </a:solidFill>
           </a:ln>
         </p:spPr>
@@ -9846,10 +9859,12 @@
           <a:prstGeom prst="roundRect">
             <a:avLst/>
           </a:prstGeom>
-          <a:noFill/>
-          <a:ln w="19050">
-            <a:solidFill>
-              <a:schemeClr val="accent1"/>
+          <a:solidFill>
+            <a:srgbClr val="19456B"/>
+          </a:solidFill>
+          <a:ln w="19050">
+            <a:solidFill>
+              <a:srgbClr val="F8F1F1"/>
             </a:solidFill>
           </a:ln>
         </p:spPr>
@@ -9898,10 +9913,12 @@
           <a:prstGeom prst="roundRect">
             <a:avLst/>
           </a:prstGeom>
-          <a:noFill/>
-          <a:ln w="19050">
-            <a:solidFill>
-              <a:schemeClr val="accent1"/>
+          <a:solidFill>
+            <a:srgbClr val="19456B"/>
+          </a:solidFill>
+          <a:ln w="19050">
+            <a:solidFill>
+              <a:srgbClr val="F8F1F1"/>
             </a:solidFill>
           </a:ln>
         </p:spPr>
@@ -9950,10 +9967,12 @@
           <a:prstGeom prst="roundRect">
             <a:avLst/>
           </a:prstGeom>
-          <a:noFill/>
-          <a:ln w="19050">
-            <a:solidFill>
-              <a:schemeClr val="accent1"/>
+          <a:solidFill>
+            <a:srgbClr val="19456B"/>
+          </a:solidFill>
+          <a:ln w="19050">
+            <a:solidFill>
+              <a:srgbClr val="F8F1F1"/>
             </a:solidFill>
           </a:ln>
         </p:spPr>
@@ -10002,10 +10021,12 @@
           <a:prstGeom prst="roundRect">
             <a:avLst/>
           </a:prstGeom>
-          <a:noFill/>
-          <a:ln w="19050">
-            <a:solidFill>
-              <a:schemeClr val="accent1"/>
+          <a:solidFill>
+            <a:srgbClr val="19456B"/>
+          </a:solidFill>
+          <a:ln w="19050">
+            <a:solidFill>
+              <a:srgbClr val="F8F1F1"/>
             </a:solidFill>
           </a:ln>
         </p:spPr>
@@ -10054,10 +10075,12 @@
           <a:prstGeom prst="roundRect">
             <a:avLst/>
           </a:prstGeom>
-          <a:noFill/>
-          <a:ln w="19050">
-            <a:solidFill>
-              <a:schemeClr val="accent1"/>
+          <a:solidFill>
+            <a:srgbClr val="19456B"/>
+          </a:solidFill>
+          <a:ln w="19050">
+            <a:solidFill>
+              <a:srgbClr val="F8F1F1"/>
             </a:solidFill>
           </a:ln>
         </p:spPr>
@@ -10106,10 +10129,12 @@
           <a:prstGeom prst="roundRect">
             <a:avLst/>
           </a:prstGeom>
-          <a:noFill/>
-          <a:ln w="19050">
-            <a:solidFill>
-              <a:schemeClr val="accent1"/>
+          <a:solidFill>
+            <a:srgbClr val="19456B"/>
+          </a:solidFill>
+          <a:ln w="19050">
+            <a:solidFill>
+              <a:srgbClr val="F8F1F1"/>
             </a:solidFill>
           </a:ln>
         </p:spPr>
@@ -10158,10 +10183,12 @@
           <a:prstGeom prst="roundRect">
             <a:avLst/>
           </a:prstGeom>
-          <a:noFill/>
-          <a:ln w="19050">
-            <a:solidFill>
-              <a:schemeClr val="accent1"/>
+          <a:solidFill>
+            <a:srgbClr val="19456B"/>
+          </a:solidFill>
+          <a:ln w="19050">
+            <a:solidFill>
+              <a:srgbClr val="F8F1F1"/>
             </a:solidFill>
           </a:ln>
         </p:spPr>
@@ -10210,10 +10237,66 @@
           <a:prstGeom prst="roundRect">
             <a:avLst/>
           </a:prstGeom>
-          <a:noFill/>
-          <a:ln w="19050">
-            <a:solidFill>
-              <a:schemeClr val="accent1"/>
+          <a:solidFill>
+            <a:srgbClr val="19456B"/>
+          </a:solidFill>
+          <a:ln w="19050">
+            <a:solidFill>
+              <a:srgbClr val="F8F1F1"/>
+            </a:solidFill>
+          </a:ln>
+        </p:spPr>
+        <p:style>
+          <a:lnRef idx="2">
+            <a:schemeClr val="accent1">
+              <a:shade val="50000"/>
+            </a:schemeClr>
+          </a:lnRef>
+          <a:fillRef idx="1">
+            <a:schemeClr val="accent1"/>
+          </a:fillRef>
+          <a:effectRef idx="0">
+            <a:schemeClr val="accent1"/>
+          </a:effectRef>
+          <a:fontRef idx="minor">
+            <a:schemeClr val="lt1"/>
+          </a:fontRef>
+        </p:style>
+        <p:txBody>
+          <a:bodyPr rtlCol="0" anchor="ctr"/>
+          <a:lstStyle/>
+          <a:p>
+            <a:pPr algn="ctr"/>
+            <a:endParaRPr lang="en-US"/>
+          </a:p>
+        </p:txBody>
+      </p:sp>
+      <p:sp>
+        <p:nvSpPr>
+          <p:cNvPr id="79" name="Rectangle: Rounded Corners 78">
+            <a:extLst>
+              <a:ext uri="{FF2B5EF4-FFF2-40B4-BE49-F238E27FC236}">
+                <a16:creationId xmlns:a16="http://schemas.microsoft.com/office/drawing/2014/main" id="{847C5DD3-2AF7-41FB-9E1B-C669422A9A65}"/>
+              </a:ext>
+            </a:extLst>
+          </p:cNvPr>
+          <p:cNvSpPr/>
+          <p:nvPr/>
+        </p:nvSpPr>
+        <p:spPr>
+          <a:xfrm rot="7539714" flipV="1">
+            <a:off x="2333572" y="4748052"/>
+            <a:ext cx="680922" cy="163691"/>
+          </a:xfrm>
+          <a:prstGeom prst="roundRect">
+            <a:avLst/>
+          </a:prstGeom>
+          <a:solidFill>
+            <a:srgbClr val="19456B"/>
+          </a:solidFill>
+          <a:ln w="19050">
+            <a:solidFill>
+              <a:srgbClr val="F8F1F1"/>
             </a:solidFill>
           </a:ln>
         </p:spPr>
@@ -10246,6 +10329,1350 @@
     <p:extLst>
       <p:ext uri="{BB962C8B-B14F-4D97-AF65-F5344CB8AC3E}">
         <p14:creationId xmlns:p14="http://schemas.microsoft.com/office/powerpoint/2010/main" val="3406220653"/>
+      </p:ext>
+    </p:extLst>
+  </p:cSld>
+  <p:clrMapOvr>
+    <a:masterClrMapping/>
+  </p:clrMapOvr>
+</p:sld>
+</file>
+
+<file path=ppt/slides/slide6.xml><?xml version="1.0" encoding="utf-8"?>
+<p:sld xmlns:a="http://schemas.openxmlformats.org/drawingml/2006/main" xmlns:r="http://schemas.openxmlformats.org/officeDocument/2006/relationships" xmlns:p="http://schemas.openxmlformats.org/presentationml/2006/main">
+  <p:cSld>
+    <p:spTree>
+      <p:nvGrpSpPr>
+        <p:cNvPr id="1" name=""/>
+        <p:cNvGrpSpPr/>
+        <p:nvPr/>
+      </p:nvGrpSpPr>
+      <p:grpSpPr>
+        <a:xfrm>
+          <a:off x="0" y="0"/>
+          <a:ext cx="0" cy="0"/>
+          <a:chOff x="0" y="0"/>
+          <a:chExt cx="0" cy="0"/>
+        </a:xfrm>
+      </p:grpSpPr>
+      <p:sp>
+        <p:nvSpPr>
+          <p:cNvPr id="79" name="Rectangle: Rounded Corners 78">
+            <a:extLst>
+              <a:ext uri="{FF2B5EF4-FFF2-40B4-BE49-F238E27FC236}">
+                <a16:creationId xmlns:a16="http://schemas.microsoft.com/office/drawing/2014/main" id="{847C5DD3-2AF7-41FB-9E1B-C669422A9A65}"/>
+              </a:ext>
+            </a:extLst>
+          </p:cNvPr>
+          <p:cNvSpPr/>
+          <p:nvPr/>
+        </p:nvSpPr>
+        <p:spPr>
+          <a:xfrm rot="7539714" flipV="1">
+            <a:off x="2333572" y="4748052"/>
+            <a:ext cx="680922" cy="163691"/>
+          </a:xfrm>
+          <a:prstGeom prst="roundRect">
+            <a:avLst/>
+          </a:prstGeom>
+          <a:noFill/>
+          <a:ln w="19050">
+            <a:solidFill>
+              <a:schemeClr val="accent1"/>
+            </a:solidFill>
+          </a:ln>
+        </p:spPr>
+        <p:style>
+          <a:lnRef idx="2">
+            <a:schemeClr val="accent1">
+              <a:shade val="50000"/>
+            </a:schemeClr>
+          </a:lnRef>
+          <a:fillRef idx="1">
+            <a:schemeClr val="accent1"/>
+          </a:fillRef>
+          <a:effectRef idx="0">
+            <a:schemeClr val="accent1"/>
+          </a:effectRef>
+          <a:fontRef idx="minor">
+            <a:schemeClr val="lt1"/>
+          </a:fontRef>
+        </p:style>
+        <p:txBody>
+          <a:bodyPr rtlCol="0" anchor="ctr"/>
+          <a:lstStyle/>
+          <a:p>
+            <a:pPr algn="ctr"/>
+            <a:endParaRPr lang="en-US"/>
+          </a:p>
+        </p:txBody>
+      </p:sp>
+      <p:sp>
+        <p:nvSpPr>
+          <p:cNvPr id="81" name="Rectangle: Rounded Corners 80">
+            <a:extLst>
+              <a:ext uri="{FF2B5EF4-FFF2-40B4-BE49-F238E27FC236}">
+                <a16:creationId xmlns:a16="http://schemas.microsoft.com/office/drawing/2014/main" id="{CBDBB71A-9EE8-47EF-AD85-8EBC073FA465}"/>
+              </a:ext>
+            </a:extLst>
+          </p:cNvPr>
+          <p:cNvSpPr/>
+          <p:nvPr/>
+        </p:nvSpPr>
+        <p:spPr>
+          <a:xfrm rot="14060286" flipH="1" flipV="1">
+            <a:off x="2261251" y="3620138"/>
+            <a:ext cx="680922" cy="163691"/>
+          </a:xfrm>
+          <a:prstGeom prst="roundRect">
+            <a:avLst/>
+          </a:prstGeom>
+          <a:noFill/>
+          <a:ln w="19050">
+            <a:solidFill>
+              <a:schemeClr val="accent1"/>
+            </a:solidFill>
+          </a:ln>
+        </p:spPr>
+        <p:style>
+          <a:lnRef idx="2">
+            <a:schemeClr val="accent1">
+              <a:shade val="50000"/>
+            </a:schemeClr>
+          </a:lnRef>
+          <a:fillRef idx="1">
+            <a:schemeClr val="accent1"/>
+          </a:fillRef>
+          <a:effectRef idx="0">
+            <a:schemeClr val="accent1"/>
+          </a:effectRef>
+          <a:fontRef idx="minor">
+            <a:schemeClr val="lt1"/>
+          </a:fontRef>
+        </p:style>
+        <p:txBody>
+          <a:bodyPr rtlCol="0" anchor="ctr"/>
+          <a:lstStyle/>
+          <a:p>
+            <a:pPr algn="ctr"/>
+            <a:endParaRPr lang="en-US"/>
+          </a:p>
+        </p:txBody>
+      </p:sp>
+      <p:sp>
+        <p:nvSpPr>
+          <p:cNvPr id="5" name="Rectangle 4"/>
+          <p:cNvSpPr/>
+          <p:nvPr/>
+        </p:nvSpPr>
+        <p:spPr>
+          <a:xfrm>
+            <a:off x="0" y="0"/>
+            <a:ext cx="8999538" cy="8999538"/>
+          </a:xfrm>
+          <a:prstGeom prst="rect">
+            <a:avLst/>
+          </a:prstGeom>
+          <a:noFill/>
+          <a:ln w="19050">
+            <a:solidFill>
+              <a:schemeClr val="tx1"/>
+            </a:solidFill>
+          </a:ln>
+        </p:spPr>
+        <p:style>
+          <a:lnRef idx="2">
+            <a:schemeClr val="accent1">
+              <a:shade val="50000"/>
+            </a:schemeClr>
+          </a:lnRef>
+          <a:fillRef idx="1">
+            <a:schemeClr val="accent1"/>
+          </a:fillRef>
+          <a:effectRef idx="0">
+            <a:schemeClr val="accent1"/>
+          </a:effectRef>
+          <a:fontRef idx="minor">
+            <a:schemeClr val="lt1"/>
+          </a:fontRef>
+        </p:style>
+        <p:txBody>
+          <a:bodyPr rtlCol="0" anchor="ctr"/>
+          <a:lstStyle/>
+          <a:p>
+            <a:pPr algn="ctr"/>
+            <a:endParaRPr lang="en-IN"/>
+          </a:p>
+        </p:txBody>
+      </p:sp>
+      <p:cxnSp>
+        <p:nvCxnSpPr>
+          <p:cNvPr id="56" name="Straight Connector 55">
+            <a:extLst>
+              <a:ext uri="{FF2B5EF4-FFF2-40B4-BE49-F238E27FC236}">
+                <a16:creationId xmlns:a16="http://schemas.microsoft.com/office/drawing/2014/main" id="{93327721-CB56-4D27-A387-5D4ECCB86771}"/>
+              </a:ext>
+            </a:extLst>
+          </p:cNvPr>
+          <p:cNvCxnSpPr/>
+          <p:nvPr/>
+        </p:nvCxnSpPr>
+        <p:spPr>
+          <a:xfrm>
+            <a:off x="3347359" y="3586817"/>
+            <a:ext cx="2503714" cy="0"/>
+          </a:xfrm>
+          <a:prstGeom prst="line">
+            <a:avLst/>
+          </a:prstGeom>
+          <a:ln w="19050"/>
+        </p:spPr>
+        <p:style>
+          <a:lnRef idx="1">
+            <a:schemeClr val="accent1"/>
+          </a:lnRef>
+          <a:fillRef idx="0">
+            <a:schemeClr val="accent1"/>
+          </a:fillRef>
+          <a:effectRef idx="0">
+            <a:schemeClr val="accent1"/>
+          </a:effectRef>
+          <a:fontRef idx="minor">
+            <a:schemeClr val="tx1"/>
+          </a:fontRef>
+        </p:style>
+      </p:cxnSp>
+      <p:sp>
+        <p:nvSpPr>
+          <p:cNvPr id="57" name="Arc 56">
+            <a:extLst>
+              <a:ext uri="{FF2B5EF4-FFF2-40B4-BE49-F238E27FC236}">
+                <a16:creationId xmlns:a16="http://schemas.microsoft.com/office/drawing/2014/main" id="{65EF4C8C-3426-4A63-BFE0-51337E333BDC}"/>
+              </a:ext>
+            </a:extLst>
+          </p:cNvPr>
+          <p:cNvSpPr/>
+          <p:nvPr/>
+        </p:nvSpPr>
+        <p:spPr>
+          <a:xfrm>
+            <a:off x="3326381" y="2891138"/>
+            <a:ext cx="2545669" cy="1684728"/>
+          </a:xfrm>
+          <a:prstGeom prst="arc">
+            <a:avLst>
+              <a:gd name="adj1" fmla="val 11199011"/>
+              <a:gd name="adj2" fmla="val 21204979"/>
+            </a:avLst>
+          </a:prstGeom>
+          <a:ln w="19050"/>
+        </p:spPr>
+        <p:style>
+          <a:lnRef idx="1">
+            <a:schemeClr val="accent1"/>
+          </a:lnRef>
+          <a:fillRef idx="0">
+            <a:schemeClr val="accent1"/>
+          </a:fillRef>
+          <a:effectRef idx="0">
+            <a:schemeClr val="accent1"/>
+          </a:effectRef>
+          <a:fontRef idx="minor">
+            <a:schemeClr val="tx1"/>
+          </a:fontRef>
+        </p:style>
+        <p:txBody>
+          <a:bodyPr rtlCol="0" anchor="ctr"/>
+          <a:lstStyle/>
+          <a:p>
+            <a:pPr algn="ctr"/>
+            <a:endParaRPr lang="en-US"/>
+          </a:p>
+        </p:txBody>
+      </p:sp>
+      <p:cxnSp>
+        <p:nvCxnSpPr>
+          <p:cNvPr id="58" name="Straight Connector 57">
+            <a:extLst>
+              <a:ext uri="{FF2B5EF4-FFF2-40B4-BE49-F238E27FC236}">
+                <a16:creationId xmlns:a16="http://schemas.microsoft.com/office/drawing/2014/main" id="{7A9CBCBD-1A29-4668-8245-E94DB38171AB}"/>
+              </a:ext>
+            </a:extLst>
+          </p:cNvPr>
+          <p:cNvCxnSpPr/>
+          <p:nvPr/>
+        </p:nvCxnSpPr>
+        <p:spPr>
+          <a:xfrm>
+            <a:off x="3347358" y="3724657"/>
+            <a:ext cx="2503714" cy="0"/>
+          </a:xfrm>
+          <a:prstGeom prst="line">
+            <a:avLst/>
+          </a:prstGeom>
+          <a:ln w="19050"/>
+        </p:spPr>
+        <p:style>
+          <a:lnRef idx="1">
+            <a:schemeClr val="accent1"/>
+          </a:lnRef>
+          <a:fillRef idx="0">
+            <a:schemeClr val="accent1"/>
+          </a:fillRef>
+          <a:effectRef idx="0">
+            <a:schemeClr val="accent1"/>
+          </a:effectRef>
+          <a:fontRef idx="minor">
+            <a:schemeClr val="tx1"/>
+          </a:fontRef>
+        </p:style>
+      </p:cxnSp>
+      <p:sp>
+        <p:nvSpPr>
+          <p:cNvPr id="59" name="Arc 58">
+            <a:extLst>
+              <a:ext uri="{FF2B5EF4-FFF2-40B4-BE49-F238E27FC236}">
+                <a16:creationId xmlns:a16="http://schemas.microsoft.com/office/drawing/2014/main" id="{D4C2B8CB-5440-4FB8-93F6-E1BD24A587C4}"/>
+              </a:ext>
+            </a:extLst>
+          </p:cNvPr>
+          <p:cNvSpPr/>
+          <p:nvPr/>
+        </p:nvSpPr>
+        <p:spPr>
+          <a:xfrm rot="10800000">
+            <a:off x="3347358" y="2156619"/>
+            <a:ext cx="1152411" cy="3136073"/>
+          </a:xfrm>
+          <a:prstGeom prst="arc">
+            <a:avLst>
+              <a:gd name="adj1" fmla="val 16523149"/>
+              <a:gd name="adj2" fmla="val 12267"/>
+            </a:avLst>
+          </a:prstGeom>
+          <a:ln w="19050"/>
+        </p:spPr>
+        <p:style>
+          <a:lnRef idx="1">
+            <a:schemeClr val="accent1"/>
+          </a:lnRef>
+          <a:fillRef idx="0">
+            <a:schemeClr val="accent1"/>
+          </a:fillRef>
+          <a:effectRef idx="0">
+            <a:schemeClr val="accent1"/>
+          </a:effectRef>
+          <a:fontRef idx="minor">
+            <a:schemeClr val="tx1"/>
+          </a:fontRef>
+        </p:style>
+        <p:txBody>
+          <a:bodyPr rtlCol="0" anchor="ctr"/>
+          <a:lstStyle/>
+          <a:p>
+            <a:pPr algn="ctr"/>
+            <a:endParaRPr lang="en-US"/>
+          </a:p>
+        </p:txBody>
+      </p:sp>
+      <p:sp>
+        <p:nvSpPr>
+          <p:cNvPr id="60" name="Arc 59">
+            <a:extLst>
+              <a:ext uri="{FF2B5EF4-FFF2-40B4-BE49-F238E27FC236}">
+                <a16:creationId xmlns:a16="http://schemas.microsoft.com/office/drawing/2014/main" id="{7BBB5E49-906D-4535-9751-3020BBBB5580}"/>
+              </a:ext>
+            </a:extLst>
+          </p:cNvPr>
+          <p:cNvSpPr/>
+          <p:nvPr/>
+        </p:nvSpPr>
+        <p:spPr>
+          <a:xfrm rot="10800000" flipH="1">
+            <a:off x="4697583" y="2156619"/>
+            <a:ext cx="1152411" cy="3136073"/>
+          </a:xfrm>
+          <a:prstGeom prst="arc">
+            <a:avLst>
+              <a:gd name="adj1" fmla="val 16523149"/>
+              <a:gd name="adj2" fmla="val 12267"/>
+            </a:avLst>
+          </a:prstGeom>
+          <a:ln w="19050"/>
+        </p:spPr>
+        <p:style>
+          <a:lnRef idx="1">
+            <a:schemeClr val="accent1"/>
+          </a:lnRef>
+          <a:fillRef idx="0">
+            <a:schemeClr val="accent1"/>
+          </a:fillRef>
+          <a:effectRef idx="0">
+            <a:schemeClr val="accent1"/>
+          </a:effectRef>
+          <a:fontRef idx="minor">
+            <a:schemeClr val="tx1"/>
+          </a:fontRef>
+        </p:style>
+        <p:txBody>
+          <a:bodyPr rtlCol="0" anchor="ctr"/>
+          <a:lstStyle/>
+          <a:p>
+            <a:pPr algn="ctr"/>
+            <a:endParaRPr lang="en-US"/>
+          </a:p>
+        </p:txBody>
+      </p:sp>
+      <p:cxnSp>
+        <p:nvCxnSpPr>
+          <p:cNvPr id="61" name="Straight Connector 60">
+            <a:extLst>
+              <a:ext uri="{FF2B5EF4-FFF2-40B4-BE49-F238E27FC236}">
+                <a16:creationId xmlns:a16="http://schemas.microsoft.com/office/drawing/2014/main" id="{D9825032-AC3E-476E-B189-5D978B80FFBA}"/>
+              </a:ext>
+            </a:extLst>
+          </p:cNvPr>
+          <p:cNvCxnSpPr>
+            <a:cxnSpLocks/>
+          </p:cNvCxnSpPr>
+          <p:nvPr/>
+        </p:nvCxnSpPr>
+        <p:spPr>
+          <a:xfrm>
+            <a:off x="4599215" y="3724655"/>
+            <a:ext cx="0" cy="1099732"/>
+          </a:xfrm>
+          <a:prstGeom prst="line">
+            <a:avLst/>
+          </a:prstGeom>
+          <a:ln w="19050"/>
+        </p:spPr>
+        <p:style>
+          <a:lnRef idx="1">
+            <a:schemeClr val="accent1"/>
+          </a:lnRef>
+          <a:fillRef idx="0">
+            <a:schemeClr val="accent1"/>
+          </a:fillRef>
+          <a:effectRef idx="0">
+            <a:schemeClr val="accent1"/>
+          </a:effectRef>
+          <a:fontRef idx="minor">
+            <a:schemeClr val="tx1"/>
+          </a:fontRef>
+        </p:style>
+      </p:cxnSp>
+      <p:cxnSp>
+        <p:nvCxnSpPr>
+          <p:cNvPr id="62" name="Straight Connector 61">
+            <a:extLst>
+              <a:ext uri="{FF2B5EF4-FFF2-40B4-BE49-F238E27FC236}">
+                <a16:creationId xmlns:a16="http://schemas.microsoft.com/office/drawing/2014/main" id="{8E023FB6-BAAF-4D4B-AD4D-E400EDB6D0B5}"/>
+              </a:ext>
+            </a:extLst>
+          </p:cNvPr>
+          <p:cNvCxnSpPr>
+            <a:cxnSpLocks/>
+            <a:stCxn id="59" idx="0"/>
+          </p:cNvCxnSpPr>
+          <p:nvPr/>
+        </p:nvCxnSpPr>
+        <p:spPr>
+          <a:xfrm flipV="1">
+            <a:off x="3780370" y="4824387"/>
+            <a:ext cx="813854" cy="419114"/>
+          </a:xfrm>
+          <a:prstGeom prst="line">
+            <a:avLst/>
+          </a:prstGeom>
+          <a:ln w="19050"/>
+        </p:spPr>
+        <p:style>
+          <a:lnRef idx="1">
+            <a:schemeClr val="accent1"/>
+          </a:lnRef>
+          <a:fillRef idx="0">
+            <a:schemeClr val="accent1"/>
+          </a:fillRef>
+          <a:effectRef idx="0">
+            <a:schemeClr val="accent1"/>
+          </a:effectRef>
+          <a:fontRef idx="minor">
+            <a:schemeClr val="tx1"/>
+          </a:fontRef>
+        </p:style>
+      </p:cxnSp>
+      <p:cxnSp>
+        <p:nvCxnSpPr>
+          <p:cNvPr id="63" name="Straight Connector 62">
+            <a:extLst>
+              <a:ext uri="{FF2B5EF4-FFF2-40B4-BE49-F238E27FC236}">
+                <a16:creationId xmlns:a16="http://schemas.microsoft.com/office/drawing/2014/main" id="{D7899686-8084-4436-8826-DAEC13608028}"/>
+              </a:ext>
+            </a:extLst>
+          </p:cNvPr>
+          <p:cNvCxnSpPr>
+            <a:cxnSpLocks/>
+          </p:cNvCxnSpPr>
+          <p:nvPr/>
+        </p:nvCxnSpPr>
+        <p:spPr>
+          <a:xfrm flipH="1" flipV="1">
+            <a:off x="4599990" y="4824387"/>
+            <a:ext cx="813854" cy="419114"/>
+          </a:xfrm>
+          <a:prstGeom prst="line">
+            <a:avLst/>
+          </a:prstGeom>
+          <a:ln w="19050"/>
+        </p:spPr>
+        <p:style>
+          <a:lnRef idx="1">
+            <a:schemeClr val="accent1"/>
+          </a:lnRef>
+          <a:fillRef idx="0">
+            <a:schemeClr val="accent1"/>
+          </a:fillRef>
+          <a:effectRef idx="0">
+            <a:schemeClr val="accent1"/>
+          </a:effectRef>
+          <a:fontRef idx="minor">
+            <a:schemeClr val="tx1"/>
+          </a:fontRef>
+        </p:style>
+      </p:cxnSp>
+      <p:sp>
+        <p:nvSpPr>
+          <p:cNvPr id="64" name="Isosceles Triangle 63">
+            <a:extLst>
+              <a:ext uri="{FF2B5EF4-FFF2-40B4-BE49-F238E27FC236}">
+                <a16:creationId xmlns:a16="http://schemas.microsoft.com/office/drawing/2014/main" id="{1A4FC74C-2298-4037-B00F-14A64ECD8995}"/>
+              </a:ext>
+            </a:extLst>
+          </p:cNvPr>
+          <p:cNvSpPr/>
+          <p:nvPr/>
+        </p:nvSpPr>
+        <p:spPr>
+          <a:xfrm>
+            <a:off x="3931245" y="5033944"/>
+            <a:ext cx="1334863" cy="459055"/>
+          </a:xfrm>
+          <a:prstGeom prst="triangle">
+            <a:avLst/>
+          </a:prstGeom>
+          <a:noFill/>
+          <a:ln w="19050">
+            <a:solidFill>
+              <a:schemeClr val="accent1"/>
+            </a:solidFill>
+          </a:ln>
+        </p:spPr>
+        <p:style>
+          <a:lnRef idx="2">
+            <a:schemeClr val="accent1">
+              <a:shade val="50000"/>
+            </a:schemeClr>
+          </a:lnRef>
+          <a:fillRef idx="1">
+            <a:schemeClr val="accent1"/>
+          </a:fillRef>
+          <a:effectRef idx="0">
+            <a:schemeClr val="accent1"/>
+          </a:effectRef>
+          <a:fontRef idx="minor">
+            <a:schemeClr val="lt1"/>
+          </a:fontRef>
+        </p:style>
+        <p:txBody>
+          <a:bodyPr rtlCol="0" anchor="ctr"/>
+          <a:lstStyle/>
+          <a:p>
+            <a:pPr algn="ctr"/>
+            <a:endParaRPr lang="en-US"/>
+          </a:p>
+        </p:txBody>
+      </p:sp>
+      <p:sp>
+        <p:nvSpPr>
+          <p:cNvPr id="65" name="Arc 64">
+            <a:extLst>
+              <a:ext uri="{FF2B5EF4-FFF2-40B4-BE49-F238E27FC236}">
+                <a16:creationId xmlns:a16="http://schemas.microsoft.com/office/drawing/2014/main" id="{7AF37DC4-AF7E-4F90-B864-5F4246CBB149}"/>
+              </a:ext>
+            </a:extLst>
+          </p:cNvPr>
+          <p:cNvSpPr/>
+          <p:nvPr/>
+        </p:nvSpPr>
+        <p:spPr>
+          <a:xfrm flipV="1">
+            <a:off x="3931244" y="5243501"/>
+            <a:ext cx="1341708" cy="504826"/>
+          </a:xfrm>
+          <a:prstGeom prst="arc">
+            <a:avLst>
+              <a:gd name="adj1" fmla="val 10787068"/>
+              <a:gd name="adj2" fmla="val 24257"/>
+            </a:avLst>
+          </a:prstGeom>
+          <a:ln w="19050"/>
+        </p:spPr>
+        <p:style>
+          <a:lnRef idx="1">
+            <a:schemeClr val="accent1"/>
+          </a:lnRef>
+          <a:fillRef idx="0">
+            <a:schemeClr val="accent1"/>
+          </a:fillRef>
+          <a:effectRef idx="0">
+            <a:schemeClr val="accent1"/>
+          </a:effectRef>
+          <a:fontRef idx="minor">
+            <a:schemeClr val="tx1"/>
+          </a:fontRef>
+        </p:style>
+        <p:txBody>
+          <a:bodyPr rtlCol="0" anchor="ctr"/>
+          <a:lstStyle/>
+          <a:p>
+            <a:pPr algn="ctr"/>
+            <a:endParaRPr lang="en-US" dirty="0"/>
+          </a:p>
+        </p:txBody>
+      </p:sp>
+      <p:sp>
+        <p:nvSpPr>
+          <p:cNvPr id="66" name="Rectangle: Rounded Corners 65">
+            <a:extLst>
+              <a:ext uri="{FF2B5EF4-FFF2-40B4-BE49-F238E27FC236}">
+                <a16:creationId xmlns:a16="http://schemas.microsoft.com/office/drawing/2014/main" id="{0AA5BC73-A0F7-409C-90ED-0A4A17D3A1A1}"/>
+              </a:ext>
+            </a:extLst>
+          </p:cNvPr>
+          <p:cNvSpPr/>
+          <p:nvPr/>
+        </p:nvSpPr>
+        <p:spPr>
+          <a:xfrm rot="20053704">
+            <a:off x="2933384" y="5048860"/>
+            <a:ext cx="680922" cy="163691"/>
+          </a:xfrm>
+          <a:prstGeom prst="roundRect">
+            <a:avLst/>
+          </a:prstGeom>
+          <a:noFill/>
+          <a:ln w="19050">
+            <a:solidFill>
+              <a:schemeClr val="accent1"/>
+            </a:solidFill>
+          </a:ln>
+        </p:spPr>
+        <p:style>
+          <a:lnRef idx="2">
+            <a:schemeClr val="accent1">
+              <a:shade val="50000"/>
+            </a:schemeClr>
+          </a:lnRef>
+          <a:fillRef idx="1">
+            <a:schemeClr val="accent1"/>
+          </a:fillRef>
+          <a:effectRef idx="0">
+            <a:schemeClr val="accent1"/>
+          </a:effectRef>
+          <a:fontRef idx="minor">
+            <a:schemeClr val="lt1"/>
+          </a:fontRef>
+        </p:style>
+        <p:txBody>
+          <a:bodyPr rtlCol="0" anchor="ctr"/>
+          <a:lstStyle/>
+          <a:p>
+            <a:pPr algn="ctr"/>
+            <a:endParaRPr lang="en-US"/>
+          </a:p>
+        </p:txBody>
+      </p:sp>
+      <p:sp>
+        <p:nvSpPr>
+          <p:cNvPr id="67" name="Rectangle: Rounded Corners 66">
+            <a:extLst>
+              <a:ext uri="{FF2B5EF4-FFF2-40B4-BE49-F238E27FC236}">
+                <a16:creationId xmlns:a16="http://schemas.microsoft.com/office/drawing/2014/main" id="{05C92098-DEDE-4C14-9F76-692FC328CACB}"/>
+              </a:ext>
+            </a:extLst>
+          </p:cNvPr>
+          <p:cNvSpPr/>
+          <p:nvPr/>
+        </p:nvSpPr>
+        <p:spPr>
+          <a:xfrm rot="1546296" flipV="1">
+            <a:off x="5583046" y="5048859"/>
+            <a:ext cx="680922" cy="163691"/>
+          </a:xfrm>
+          <a:prstGeom prst="roundRect">
+            <a:avLst/>
+          </a:prstGeom>
+          <a:noFill/>
+          <a:ln w="19050">
+            <a:solidFill>
+              <a:schemeClr val="accent1"/>
+            </a:solidFill>
+          </a:ln>
+        </p:spPr>
+        <p:style>
+          <a:lnRef idx="2">
+            <a:schemeClr val="accent1">
+              <a:shade val="50000"/>
+            </a:schemeClr>
+          </a:lnRef>
+          <a:fillRef idx="1">
+            <a:schemeClr val="accent1"/>
+          </a:fillRef>
+          <a:effectRef idx="0">
+            <a:schemeClr val="accent1"/>
+          </a:effectRef>
+          <a:fontRef idx="minor">
+            <a:schemeClr val="lt1"/>
+          </a:fontRef>
+        </p:style>
+        <p:txBody>
+          <a:bodyPr rtlCol="0" anchor="ctr"/>
+          <a:lstStyle/>
+          <a:p>
+            <a:pPr algn="ctr"/>
+            <a:endParaRPr lang="en-US"/>
+          </a:p>
+        </p:txBody>
+      </p:sp>
+      <p:sp>
+        <p:nvSpPr>
+          <p:cNvPr id="68" name="Rectangle: Rounded Corners 67">
+            <a:extLst>
+              <a:ext uri="{FF2B5EF4-FFF2-40B4-BE49-F238E27FC236}">
+                <a16:creationId xmlns:a16="http://schemas.microsoft.com/office/drawing/2014/main" id="{863B5FF8-D824-4A1C-A3A6-75942965D4BC}"/>
+              </a:ext>
+            </a:extLst>
+          </p:cNvPr>
+          <p:cNvSpPr/>
+          <p:nvPr/>
+        </p:nvSpPr>
+        <p:spPr>
+          <a:xfrm rot="14653704">
+            <a:off x="2802480" y="5391055"/>
+            <a:ext cx="680922" cy="163691"/>
+          </a:xfrm>
+          <a:prstGeom prst="roundRect">
+            <a:avLst/>
+          </a:prstGeom>
+          <a:noFill/>
+          <a:ln w="19050">
+            <a:solidFill>
+              <a:schemeClr val="accent1"/>
+            </a:solidFill>
+          </a:ln>
+        </p:spPr>
+        <p:style>
+          <a:lnRef idx="2">
+            <a:schemeClr val="accent1">
+              <a:shade val="50000"/>
+            </a:schemeClr>
+          </a:lnRef>
+          <a:fillRef idx="1">
+            <a:schemeClr val="accent1"/>
+          </a:fillRef>
+          <a:effectRef idx="0">
+            <a:schemeClr val="accent1"/>
+          </a:effectRef>
+          <a:fontRef idx="minor">
+            <a:schemeClr val="lt1"/>
+          </a:fontRef>
+        </p:style>
+        <p:txBody>
+          <a:bodyPr rtlCol="0" anchor="ctr"/>
+          <a:lstStyle/>
+          <a:p>
+            <a:pPr algn="ctr"/>
+            <a:endParaRPr lang="en-US"/>
+          </a:p>
+        </p:txBody>
+      </p:sp>
+      <p:sp>
+        <p:nvSpPr>
+          <p:cNvPr id="69" name="Rectangle: Rounded Corners 68">
+            <a:extLst>
+              <a:ext uri="{FF2B5EF4-FFF2-40B4-BE49-F238E27FC236}">
+                <a16:creationId xmlns:a16="http://schemas.microsoft.com/office/drawing/2014/main" id="{876432D8-0574-47D4-97F5-276F4D989073}"/>
+              </a:ext>
+            </a:extLst>
+          </p:cNvPr>
+          <p:cNvSpPr/>
+          <p:nvPr/>
+        </p:nvSpPr>
+        <p:spPr>
+          <a:xfrm rot="6946296" flipV="1">
+            <a:off x="5707346" y="5391056"/>
+            <a:ext cx="680922" cy="163691"/>
+          </a:xfrm>
+          <a:prstGeom prst="roundRect">
+            <a:avLst/>
+          </a:prstGeom>
+          <a:noFill/>
+          <a:ln w="19050">
+            <a:solidFill>
+              <a:schemeClr val="accent1"/>
+            </a:solidFill>
+          </a:ln>
+        </p:spPr>
+        <p:style>
+          <a:lnRef idx="2">
+            <a:schemeClr val="accent1">
+              <a:shade val="50000"/>
+            </a:schemeClr>
+          </a:lnRef>
+          <a:fillRef idx="1">
+            <a:schemeClr val="accent1"/>
+          </a:fillRef>
+          <a:effectRef idx="0">
+            <a:schemeClr val="accent1"/>
+          </a:effectRef>
+          <a:fontRef idx="minor">
+            <a:schemeClr val="lt1"/>
+          </a:fontRef>
+        </p:style>
+        <p:txBody>
+          <a:bodyPr rtlCol="0" anchor="ctr"/>
+          <a:lstStyle/>
+          <a:p>
+            <a:pPr algn="ctr"/>
+            <a:endParaRPr lang="en-US"/>
+          </a:p>
+        </p:txBody>
+      </p:sp>
+      <p:sp>
+        <p:nvSpPr>
+          <p:cNvPr id="70" name="Rectangle: Rounded Corners 69">
+            <a:extLst>
+              <a:ext uri="{FF2B5EF4-FFF2-40B4-BE49-F238E27FC236}">
+                <a16:creationId xmlns:a16="http://schemas.microsoft.com/office/drawing/2014/main" id="{17965402-0712-410A-9F57-CF696DAB778F}"/>
+              </a:ext>
+            </a:extLst>
+          </p:cNvPr>
+          <p:cNvSpPr/>
+          <p:nvPr/>
+        </p:nvSpPr>
+        <p:spPr>
+          <a:xfrm rot="19509344" flipV="1">
+            <a:off x="5691811" y="3093700"/>
+            <a:ext cx="680922" cy="163691"/>
+          </a:xfrm>
+          <a:prstGeom prst="roundRect">
+            <a:avLst/>
+          </a:prstGeom>
+          <a:noFill/>
+          <a:ln w="19050">
+            <a:solidFill>
+              <a:schemeClr val="accent1"/>
+            </a:solidFill>
+          </a:ln>
+        </p:spPr>
+        <p:style>
+          <a:lnRef idx="2">
+            <a:schemeClr val="accent1">
+              <a:shade val="50000"/>
+            </a:schemeClr>
+          </a:lnRef>
+          <a:fillRef idx="1">
+            <a:schemeClr val="accent1"/>
+          </a:fillRef>
+          <a:effectRef idx="0">
+            <a:schemeClr val="accent1"/>
+          </a:effectRef>
+          <a:fontRef idx="minor">
+            <a:schemeClr val="lt1"/>
+          </a:fontRef>
+        </p:style>
+        <p:txBody>
+          <a:bodyPr rtlCol="0" anchor="ctr"/>
+          <a:lstStyle/>
+          <a:p>
+            <a:pPr algn="ctr"/>
+            <a:endParaRPr lang="en-US"/>
+          </a:p>
+        </p:txBody>
+      </p:sp>
+      <p:sp>
+        <p:nvSpPr>
+          <p:cNvPr id="71" name="Rectangle: Rounded Corners 70">
+            <a:extLst>
+              <a:ext uri="{FF2B5EF4-FFF2-40B4-BE49-F238E27FC236}">
+                <a16:creationId xmlns:a16="http://schemas.microsoft.com/office/drawing/2014/main" id="{721DB394-A285-401E-9A41-A848CA8A59A9}"/>
+              </a:ext>
+            </a:extLst>
+          </p:cNvPr>
+          <p:cNvSpPr/>
+          <p:nvPr/>
+        </p:nvSpPr>
+        <p:spPr>
+          <a:xfrm rot="14109344" flipV="1">
+            <a:off x="5756301" y="2732902"/>
+            <a:ext cx="680922" cy="163691"/>
+          </a:xfrm>
+          <a:prstGeom prst="roundRect">
+            <a:avLst/>
+          </a:prstGeom>
+          <a:noFill/>
+          <a:ln w="19050">
+            <a:solidFill>
+              <a:schemeClr val="accent1"/>
+            </a:solidFill>
+          </a:ln>
+        </p:spPr>
+        <p:style>
+          <a:lnRef idx="2">
+            <a:schemeClr val="accent1">
+              <a:shade val="50000"/>
+            </a:schemeClr>
+          </a:lnRef>
+          <a:fillRef idx="1">
+            <a:schemeClr val="accent1"/>
+          </a:fillRef>
+          <a:effectRef idx="0">
+            <a:schemeClr val="accent1"/>
+          </a:effectRef>
+          <a:fontRef idx="minor">
+            <a:schemeClr val="lt1"/>
+          </a:fontRef>
+        </p:style>
+        <p:txBody>
+          <a:bodyPr rtlCol="0" anchor="ctr"/>
+          <a:lstStyle/>
+          <a:p>
+            <a:pPr algn="ctr"/>
+            <a:endParaRPr lang="en-US"/>
+          </a:p>
+        </p:txBody>
+      </p:sp>
+      <p:sp>
+        <p:nvSpPr>
+          <p:cNvPr id="72" name="Rectangle: Rounded Corners 71">
+            <a:extLst>
+              <a:ext uri="{FF2B5EF4-FFF2-40B4-BE49-F238E27FC236}">
+                <a16:creationId xmlns:a16="http://schemas.microsoft.com/office/drawing/2014/main" id="{2D18CF01-B508-4EB3-9C21-8A064153C68D}"/>
+              </a:ext>
+            </a:extLst>
+          </p:cNvPr>
+          <p:cNvSpPr/>
+          <p:nvPr/>
+        </p:nvSpPr>
+        <p:spPr>
+          <a:xfrm rot="2090656" flipH="1" flipV="1">
+            <a:off x="2824617" y="3110020"/>
+            <a:ext cx="680922" cy="163691"/>
+          </a:xfrm>
+          <a:prstGeom prst="roundRect">
+            <a:avLst/>
+          </a:prstGeom>
+          <a:noFill/>
+          <a:ln w="19050">
+            <a:solidFill>
+              <a:schemeClr val="accent1"/>
+            </a:solidFill>
+          </a:ln>
+        </p:spPr>
+        <p:style>
+          <a:lnRef idx="2">
+            <a:schemeClr val="accent1">
+              <a:shade val="50000"/>
+            </a:schemeClr>
+          </a:lnRef>
+          <a:fillRef idx="1">
+            <a:schemeClr val="accent1"/>
+          </a:fillRef>
+          <a:effectRef idx="0">
+            <a:schemeClr val="accent1"/>
+          </a:effectRef>
+          <a:fontRef idx="minor">
+            <a:schemeClr val="lt1"/>
+          </a:fontRef>
+        </p:style>
+        <p:txBody>
+          <a:bodyPr rtlCol="0" anchor="ctr"/>
+          <a:lstStyle/>
+          <a:p>
+            <a:pPr algn="ctr"/>
+            <a:endParaRPr lang="en-US"/>
+          </a:p>
+        </p:txBody>
+      </p:sp>
+      <p:sp>
+        <p:nvSpPr>
+          <p:cNvPr id="73" name="Rectangle: Rounded Corners 72">
+            <a:extLst>
+              <a:ext uri="{FF2B5EF4-FFF2-40B4-BE49-F238E27FC236}">
+                <a16:creationId xmlns:a16="http://schemas.microsoft.com/office/drawing/2014/main" id="{685BB006-82BB-449A-80DC-A3FF6B2336C5}"/>
+              </a:ext>
+            </a:extLst>
+          </p:cNvPr>
+          <p:cNvSpPr/>
+          <p:nvPr/>
+        </p:nvSpPr>
+        <p:spPr>
+          <a:xfrm rot="7490656">
+            <a:off x="2754078" y="2749224"/>
+            <a:ext cx="680922" cy="163691"/>
+          </a:xfrm>
+          <a:prstGeom prst="roundRect">
+            <a:avLst/>
+          </a:prstGeom>
+          <a:noFill/>
+          <a:ln w="19050">
+            <a:solidFill>
+              <a:schemeClr val="accent1"/>
+            </a:solidFill>
+          </a:ln>
+        </p:spPr>
+        <p:style>
+          <a:lnRef idx="2">
+            <a:schemeClr val="accent1">
+              <a:shade val="50000"/>
+            </a:schemeClr>
+          </a:lnRef>
+          <a:fillRef idx="1">
+            <a:schemeClr val="accent1"/>
+          </a:fillRef>
+          <a:effectRef idx="0">
+            <a:schemeClr val="accent1"/>
+          </a:effectRef>
+          <a:fontRef idx="minor">
+            <a:schemeClr val="lt1"/>
+          </a:fontRef>
+        </p:style>
+        <p:txBody>
+          <a:bodyPr rtlCol="0" anchor="ctr"/>
+          <a:lstStyle/>
+          <a:p>
+            <a:pPr algn="ctr"/>
+            <a:endParaRPr lang="en-US"/>
+          </a:p>
+        </p:txBody>
+      </p:sp>
+      <p:sp>
+        <p:nvSpPr>
+          <p:cNvPr id="74" name="Rectangle: Rounded Corners 73">
+            <a:extLst>
+              <a:ext uri="{FF2B5EF4-FFF2-40B4-BE49-F238E27FC236}">
+                <a16:creationId xmlns:a16="http://schemas.microsoft.com/office/drawing/2014/main" id="{DD1FEA33-B909-4662-96DD-CAE8D090C19B}"/>
+              </a:ext>
+            </a:extLst>
+          </p:cNvPr>
+          <p:cNvSpPr/>
+          <p:nvPr/>
+        </p:nvSpPr>
+        <p:spPr>
+          <a:xfrm rot="7539714" flipV="1">
+            <a:off x="6256259" y="3651656"/>
+            <a:ext cx="680922" cy="163691"/>
+          </a:xfrm>
+          <a:prstGeom prst="roundRect">
+            <a:avLst/>
+          </a:prstGeom>
+          <a:noFill/>
+          <a:ln w="19050">
+            <a:solidFill>
+              <a:schemeClr val="accent1"/>
+            </a:solidFill>
+          </a:ln>
+        </p:spPr>
+        <p:style>
+          <a:lnRef idx="2">
+            <a:schemeClr val="accent1">
+              <a:shade val="50000"/>
+            </a:schemeClr>
+          </a:lnRef>
+          <a:fillRef idx="1">
+            <a:schemeClr val="accent1"/>
+          </a:fillRef>
+          <a:effectRef idx="0">
+            <a:schemeClr val="accent1"/>
+          </a:effectRef>
+          <a:fontRef idx="minor">
+            <a:schemeClr val="lt1"/>
+          </a:fontRef>
+        </p:style>
+        <p:txBody>
+          <a:bodyPr rtlCol="0" anchor="ctr"/>
+          <a:lstStyle/>
+          <a:p>
+            <a:pPr algn="ctr"/>
+            <a:endParaRPr lang="en-US"/>
+          </a:p>
+        </p:txBody>
+      </p:sp>
+      <p:sp>
+        <p:nvSpPr>
+          <p:cNvPr id="75" name="Rectangle: Rounded Corners 74">
+            <a:extLst>
+              <a:ext uri="{FF2B5EF4-FFF2-40B4-BE49-F238E27FC236}">
+                <a16:creationId xmlns:a16="http://schemas.microsoft.com/office/drawing/2014/main" id="{573ADE03-323B-4594-9296-862A9A4245E0}"/>
+              </a:ext>
+            </a:extLst>
+          </p:cNvPr>
+          <p:cNvSpPr/>
+          <p:nvPr/>
+        </p:nvSpPr>
+        <p:spPr>
+          <a:xfrm rot="725137" flipV="1">
+            <a:off x="5780611" y="4455317"/>
+            <a:ext cx="632301" cy="163691"/>
+          </a:xfrm>
+          <a:prstGeom prst="roundRect">
+            <a:avLst/>
+          </a:prstGeom>
+          <a:noFill/>
+          <a:ln w="19050">
+            <a:solidFill>
+              <a:schemeClr val="accent1"/>
+            </a:solidFill>
+          </a:ln>
+        </p:spPr>
+        <p:style>
+          <a:lnRef idx="2">
+            <a:schemeClr val="accent1">
+              <a:shade val="50000"/>
+            </a:schemeClr>
+          </a:lnRef>
+          <a:fillRef idx="1">
+            <a:schemeClr val="accent1"/>
+          </a:fillRef>
+          <a:effectRef idx="0">
+            <a:schemeClr val="accent1"/>
+          </a:effectRef>
+          <a:fontRef idx="minor">
+            <a:schemeClr val="lt1"/>
+          </a:fontRef>
+        </p:style>
+        <p:txBody>
+          <a:bodyPr rtlCol="0" anchor="ctr"/>
+          <a:lstStyle/>
+          <a:p>
+            <a:pPr algn="ctr"/>
+            <a:endParaRPr lang="en-US"/>
+          </a:p>
+        </p:txBody>
+      </p:sp>
+      <p:sp>
+        <p:nvSpPr>
+          <p:cNvPr id="76" name="Rectangle: Rounded Corners 75">
+            <a:extLst>
+              <a:ext uri="{FF2B5EF4-FFF2-40B4-BE49-F238E27FC236}">
+                <a16:creationId xmlns:a16="http://schemas.microsoft.com/office/drawing/2014/main" id="{2F98972C-1F95-4398-B6C2-E08E02CF35A3}"/>
+              </a:ext>
+            </a:extLst>
+          </p:cNvPr>
+          <p:cNvSpPr/>
+          <p:nvPr/>
+        </p:nvSpPr>
+        <p:spPr>
+          <a:xfrm rot="14060286" flipH="1" flipV="1">
+            <a:off x="6190215" y="4748052"/>
+            <a:ext cx="680922" cy="163691"/>
+          </a:xfrm>
+          <a:prstGeom prst="roundRect">
+            <a:avLst/>
+          </a:prstGeom>
+          <a:noFill/>
+          <a:ln w="19050">
+            <a:solidFill>
+              <a:schemeClr val="accent1"/>
+            </a:solidFill>
+          </a:ln>
+        </p:spPr>
+        <p:style>
+          <a:lnRef idx="2">
+            <a:schemeClr val="accent1">
+              <a:shade val="50000"/>
+            </a:schemeClr>
+          </a:lnRef>
+          <a:fillRef idx="1">
+            <a:schemeClr val="accent1"/>
+          </a:fillRef>
+          <a:effectRef idx="0">
+            <a:schemeClr val="accent1"/>
+          </a:effectRef>
+          <a:fontRef idx="minor">
+            <a:schemeClr val="lt1"/>
+          </a:fontRef>
+        </p:style>
+        <p:txBody>
+          <a:bodyPr rtlCol="0" anchor="ctr"/>
+          <a:lstStyle/>
+          <a:p>
+            <a:pPr algn="ctr"/>
+            <a:endParaRPr lang="en-US"/>
+          </a:p>
+        </p:txBody>
+      </p:sp>
+      <p:sp>
+        <p:nvSpPr>
+          <p:cNvPr id="77" name="Rectangle: Rounded Corners 76">
+            <a:extLst>
+              <a:ext uri="{FF2B5EF4-FFF2-40B4-BE49-F238E27FC236}">
+                <a16:creationId xmlns:a16="http://schemas.microsoft.com/office/drawing/2014/main" id="{EDB04699-8248-4DE7-AC4A-04A62FC7E3ED}"/>
+              </a:ext>
+            </a:extLst>
+          </p:cNvPr>
+          <p:cNvSpPr/>
+          <p:nvPr/>
+        </p:nvSpPr>
+        <p:spPr>
+          <a:xfrm rot="189545" flipV="1">
+            <a:off x="5852264" y="3869903"/>
+            <a:ext cx="632301" cy="163691"/>
+          </a:xfrm>
+          <a:prstGeom prst="roundRect">
+            <a:avLst/>
+          </a:prstGeom>
+          <a:noFill/>
+          <a:ln w="19050">
+            <a:solidFill>
+              <a:schemeClr val="accent1"/>
+            </a:solidFill>
+          </a:ln>
+        </p:spPr>
+        <p:style>
+          <a:lnRef idx="2">
+            <a:schemeClr val="accent1">
+              <a:shade val="50000"/>
+            </a:schemeClr>
+          </a:lnRef>
+          <a:fillRef idx="1">
+            <a:schemeClr val="accent1"/>
+          </a:fillRef>
+          <a:effectRef idx="0">
+            <a:schemeClr val="accent1"/>
+          </a:effectRef>
+          <a:fontRef idx="minor">
+            <a:schemeClr val="lt1"/>
+          </a:fontRef>
+        </p:style>
+        <p:txBody>
+          <a:bodyPr rtlCol="0" anchor="ctr"/>
+          <a:lstStyle/>
+          <a:p>
+            <a:pPr algn="ctr"/>
+            <a:endParaRPr lang="en-US"/>
+          </a:p>
+        </p:txBody>
+      </p:sp>
+      <p:sp>
+        <p:nvSpPr>
+          <p:cNvPr id="78" name="Rectangle: Rounded Corners 77">
+            <a:extLst>
+              <a:ext uri="{FF2B5EF4-FFF2-40B4-BE49-F238E27FC236}">
+                <a16:creationId xmlns:a16="http://schemas.microsoft.com/office/drawing/2014/main" id="{92634946-D390-4904-B7D2-A8599A4EE7A4}"/>
+              </a:ext>
+            </a:extLst>
+          </p:cNvPr>
+          <p:cNvSpPr/>
+          <p:nvPr/>
+        </p:nvSpPr>
+        <p:spPr>
+          <a:xfrm rot="20874863" flipH="1" flipV="1">
+            <a:off x="2790529" y="4452934"/>
+            <a:ext cx="632301" cy="163691"/>
+          </a:xfrm>
+          <a:prstGeom prst="roundRect">
+            <a:avLst/>
+          </a:prstGeom>
+          <a:noFill/>
+          <a:ln w="19050">
+            <a:solidFill>
+              <a:schemeClr val="accent1"/>
+            </a:solidFill>
+          </a:ln>
+        </p:spPr>
+        <p:style>
+          <a:lnRef idx="2">
+            <a:schemeClr val="accent1">
+              <a:shade val="50000"/>
+            </a:schemeClr>
+          </a:lnRef>
+          <a:fillRef idx="1">
+            <a:schemeClr val="accent1"/>
+          </a:fillRef>
+          <a:effectRef idx="0">
+            <a:schemeClr val="accent1"/>
+          </a:effectRef>
+          <a:fontRef idx="minor">
+            <a:schemeClr val="lt1"/>
+          </a:fontRef>
+        </p:style>
+        <p:txBody>
+          <a:bodyPr rtlCol="0" anchor="ctr"/>
+          <a:lstStyle/>
+          <a:p>
+            <a:pPr algn="ctr"/>
+            <a:endParaRPr lang="en-US"/>
+          </a:p>
+        </p:txBody>
+      </p:sp>
+      <p:sp>
+        <p:nvSpPr>
+          <p:cNvPr id="80" name="Rectangle: Rounded Corners 79">
+            <a:extLst>
+              <a:ext uri="{FF2B5EF4-FFF2-40B4-BE49-F238E27FC236}">
+                <a16:creationId xmlns:a16="http://schemas.microsoft.com/office/drawing/2014/main" id="{B6FD9DCC-1604-44B6-9A53-CC76EDB58197}"/>
+              </a:ext>
+            </a:extLst>
+          </p:cNvPr>
+          <p:cNvSpPr/>
+          <p:nvPr/>
+        </p:nvSpPr>
+        <p:spPr>
+          <a:xfrm rot="21410455" flipH="1" flipV="1">
+            <a:off x="2709948" y="3845324"/>
+            <a:ext cx="632301" cy="163691"/>
+          </a:xfrm>
+          <a:prstGeom prst="roundRect">
+            <a:avLst/>
+          </a:prstGeom>
+          <a:noFill/>
+          <a:ln w="19050">
+            <a:solidFill>
+              <a:schemeClr val="accent1"/>
+            </a:solidFill>
+          </a:ln>
+        </p:spPr>
+        <p:style>
+          <a:lnRef idx="2">
+            <a:schemeClr val="accent1">
+              <a:shade val="50000"/>
+            </a:schemeClr>
+          </a:lnRef>
+          <a:fillRef idx="1">
+            <a:schemeClr val="accent1"/>
+          </a:fillRef>
+          <a:effectRef idx="0">
+            <a:schemeClr val="accent1"/>
+          </a:effectRef>
+          <a:fontRef idx="minor">
+            <a:schemeClr val="lt1"/>
+          </a:fontRef>
+        </p:style>
+        <p:txBody>
+          <a:bodyPr rtlCol="0" anchor="ctr"/>
+          <a:lstStyle/>
+          <a:p>
+            <a:pPr algn="ctr"/>
+            <a:endParaRPr lang="en-US"/>
+          </a:p>
+        </p:txBody>
+      </p:sp>
+    </p:spTree>
+    <p:extLst>
+      <p:ext uri="{BB962C8B-B14F-4D97-AF65-F5344CB8AC3E}">
+        <p14:creationId xmlns:p14="http://schemas.microsoft.com/office/powerpoint/2010/main" val="496524354"/>
       </p:ext>
     </p:extLst>
   </p:cSld>
